--- a/powerpoint/architecture.pptx
+++ b/powerpoint/architecture.pptx
@@ -3363,7 +3363,12 @@
           <a:prstGeom prst="rect">
             <a:avLst/>
           </a:prstGeom>
-          <a:noFill/>
+          <a:solidFill>
+            <a:schemeClr val="accent6">
+              <a:lumMod val="40000"/>
+              <a:lumOff val="60000"/>
+            </a:schemeClr>
+          </a:solidFill>
           <a:ln>
             <a:solidFill>
               <a:schemeClr val="tx1"/>
@@ -3422,7 +3427,12 @@
           <a:prstGeom prst="rect">
             <a:avLst/>
           </a:prstGeom>
-          <a:noFill/>
+          <a:solidFill>
+            <a:schemeClr val="accent6">
+              <a:lumMod val="40000"/>
+              <a:lumOff val="60000"/>
+            </a:schemeClr>
+          </a:solidFill>
           <a:ln>
             <a:solidFill>
               <a:schemeClr val="tx1"/>
@@ -3579,7 +3589,12 @@
           <a:prstGeom prst="rect">
             <a:avLst/>
           </a:prstGeom>
-          <a:noFill/>
+          <a:solidFill>
+            <a:schemeClr val="accent6">
+              <a:lumMod val="40000"/>
+              <a:lumOff val="60000"/>
+            </a:schemeClr>
+          </a:solidFill>
           <a:ln>
             <a:solidFill>
               <a:schemeClr val="tx1"/>
@@ -3666,7 +3681,12 @@
           <a:prstGeom prst="rect">
             <a:avLst/>
           </a:prstGeom>
-          <a:noFill/>
+          <a:solidFill>
+            <a:schemeClr val="accent6">
+              <a:lumMod val="40000"/>
+              <a:lumOff val="60000"/>
+            </a:schemeClr>
+          </a:solidFill>
           <a:ln>
             <a:solidFill>
               <a:schemeClr val="tx1"/>
@@ -3730,7 +3750,12 @@
           <a:prstGeom prst="rect">
             <a:avLst/>
           </a:prstGeom>
-          <a:noFill/>
+          <a:solidFill>
+            <a:schemeClr val="accent6">
+              <a:lumMod val="40000"/>
+              <a:lumOff val="60000"/>
+            </a:schemeClr>
+          </a:solidFill>
           <a:ln>
             <a:solidFill>
               <a:schemeClr val="tx1"/>
